--- a/Modélisation de l'évacuation.pptx
+++ b/Modélisation de l'évacuation.pptx
@@ -4356,7 +4356,7 @@
         <p:spPr>
           <a:xfrm rot="0">
             <a:off x="673363" y="1366520"/>
-            <a:ext cx="6238304" cy="3406140"/>
+            <a:ext cx="6238304" cy="3348990"/>
           </a:xfrm>
           <a:prstGeom prst="rect">
             <a:avLst/>
@@ -4467,7 +4467,7 @@
                 </a:solidFill>
                 <a:latin typeface="Roboto Bold"/>
               </a:rPr>
-              <a:t>niveau élevé : 1.0 et 1.8 m/s</a:t>
+              <a:t>niveau élevé : 1.4 et 1.8 m/s</a:t>
             </a:r>
           </a:p>
           <a:p>
@@ -5382,8 +5382,8 @@
         </p:nvSpPr>
         <p:spPr>
           <a:xfrm rot="0">
-            <a:off x="427081" y="3726933"/>
-            <a:ext cx="7759820" cy="4024630"/>
+            <a:off x="427081" y="3784083"/>
+            <a:ext cx="7759820" cy="3967480"/>
           </a:xfrm>
           <a:prstGeom prst="rect">
             <a:avLst/>
@@ -5418,7 +5418,7 @@
                 </a:solidFill>
                 <a:latin typeface="Roboto"/>
               </a:rPr>
-              <a:t>ensions de la salle : 30m x 2m</a:t>
+              <a:t>ensions : 30m x 2m</a:t>
             </a:r>
           </a:p>
           <a:p>
@@ -7687,6 +7687,52 @@
           </a:custGeom>
           <a:blipFill>
             <a:blip r:embed="rId16"/>
+            <a:stretch>
+              <a:fillRect l="0" t="0" r="0" b="0"/>
+            </a:stretch>
+          </a:blipFill>
+        </p:spPr>
+      </p:sp>
+      <p:sp>
+        <p:nvSpPr>
+          <p:cNvPr name="Freeform 15" id="15"/>
+          <p:cNvSpPr/>
+          <p:nvPr/>
+        </p:nvSpPr>
+        <p:spPr>
+          <a:xfrm flipH="false" flipV="false" rot="0">
+            <a:off x="12196546" y="4635914"/>
+            <a:ext cx="3657789" cy="889185"/>
+          </a:xfrm>
+          <a:custGeom>
+            <a:avLst/>
+            <a:gdLst/>
+            <a:ahLst/>
+            <a:cxnLst/>
+            <a:rect r="r" b="b" t="t" l="l"/>
+            <a:pathLst>
+              <a:path h="889185" w="3657789">
+                <a:moveTo>
+                  <a:pt x="0" y="0"/>
+                </a:moveTo>
+                <a:lnTo>
+                  <a:pt x="3657789" y="0"/>
+                </a:lnTo>
+                <a:lnTo>
+                  <a:pt x="3657789" y="889185"/>
+                </a:lnTo>
+                <a:lnTo>
+                  <a:pt x="0" y="889185"/>
+                </a:lnTo>
+                <a:lnTo>
+                  <a:pt x="0" y="0"/>
+                </a:lnTo>
+                <a:close/>
+              </a:path>
+            </a:pathLst>
+          </a:custGeom>
+          <a:blipFill>
+            <a:blip r:embed="rId17"/>
             <a:stretch>
               <a:fillRect l="0" t="0" r="0" b="0"/>
             </a:stretch>
